--- a/Exploratory Data Analysis for Credit Risk Assessment.pptx
+++ b/Exploratory Data Analysis for Credit Risk Assessment.pptx
@@ -14,23 +14,24 @@
     <p:sldId id="621" r:id="rId8"/>
     <p:sldId id="622" r:id="rId9"/>
     <p:sldId id="623" r:id="rId10"/>
-    <p:sldId id="625" r:id="rId11"/>
-    <p:sldId id="624" r:id="rId12"/>
-    <p:sldId id="626" r:id="rId13"/>
-    <p:sldId id="627" r:id="rId14"/>
-    <p:sldId id="617" r:id="rId15"/>
+    <p:sldId id="629" r:id="rId11"/>
+    <p:sldId id="625" r:id="rId12"/>
+    <p:sldId id="624" r:id="rId13"/>
+    <p:sldId id="626" r:id="rId14"/>
+    <p:sldId id="627" r:id="rId15"/>
+    <p:sldId id="617" r:id="rId16"/>
   </p:sldIdLst>
   <p:sldSz cx="18288000" cy="10287000"/>
   <p:notesSz cx="18288000" cy="10287000"/>
   <p:embeddedFontLst>
     <p:embeddedFont>
       <p:font typeface="Manrope" panose="020B0604020202020204" charset="0"/>
-      <p:regular r:id="rId16"/>
-      <p:bold r:id="rId17"/>
+      <p:regular r:id="rId17"/>
+      <p:bold r:id="rId18"/>
     </p:embeddedFont>
     <p:embeddedFont>
       <p:font typeface="Manrope ExtraLight" panose="020B0604020202020204" charset="0"/>
-      <p:regular r:id="rId18"/>
+      <p:regular r:id="rId19"/>
     </p:embeddedFont>
   </p:embeddedFontLst>
   <p:defaultTextStyle>
@@ -139,7 +140,7 @@
 <file path=ppt/revisionInfo.xml><?xml version="1.0" encoding="utf-8"?>
 <p1510:revInfo xmlns:a="http://schemas.openxmlformats.org/drawingml/2006/main" xmlns:r="http://schemas.openxmlformats.org/officeDocument/2006/relationships" xmlns:p1510="http://schemas.microsoft.com/office/powerpoint/2015/10/main">
   <p1510:revLst>
-    <p1510:client id="{823252AA-43EF-44A7-9026-B8E575A6FFC6}" v="208" dt="2024-09-22T08:21:45.470"/>
+    <p1510:client id="{823252AA-43EF-44A7-9026-B8E575A6FFC6}" v="210" dt="2024-09-23T17:31:05.600"/>
   </p1510:revLst>
 </p1510:revInfo>
 </file>
@@ -149,7 +150,7 @@
   <pc:docChgLst>
     <pc:chgData name="Bipul Kumar" userId="9d9d72e68d75cfa6" providerId="LiveId" clId="{823252AA-43EF-44A7-9026-B8E575A6FFC6}"/>
     <pc:docChg chg="undo redo custSel addSld delSld modSld">
-      <pc:chgData name="Bipul Kumar" userId="9d9d72e68d75cfa6" providerId="LiveId" clId="{823252AA-43EF-44A7-9026-B8E575A6FFC6}" dt="2024-09-22T08:21:53.773" v="2280" actId="47"/>
+      <pc:chgData name="Bipul Kumar" userId="9d9d72e68d75cfa6" providerId="LiveId" clId="{823252AA-43EF-44A7-9026-B8E575A6FFC6}" dt="2024-09-23T17:33:14.557" v="2491" actId="20577"/>
       <pc:docMkLst>
         <pc:docMk/>
       </pc:docMkLst>
@@ -914,7 +915,7 @@
         </pc:sldMkLst>
       </pc:sldChg>
       <pc:sldChg chg="addSp delSp modSp add mod">
-        <pc:chgData name="Bipul Kumar" userId="9d9d72e68d75cfa6" providerId="LiveId" clId="{823252AA-43EF-44A7-9026-B8E575A6FFC6}" dt="2024-09-22T07:33:33.645" v="1623" actId="20577"/>
+        <pc:chgData name="Bipul Kumar" userId="9d9d72e68d75cfa6" providerId="LiveId" clId="{823252AA-43EF-44A7-9026-B8E575A6FFC6}" dt="2024-09-23T17:30:32.302" v="2363" actId="20577"/>
         <pc:sldMkLst>
           <pc:docMk/>
           <pc:sldMk cId="3193563325" sldId="623"/>
@@ -936,7 +937,7 @@
           </ac:spMkLst>
         </pc:spChg>
         <pc:spChg chg="mod">
-          <ac:chgData name="Bipul Kumar" userId="9d9d72e68d75cfa6" providerId="LiveId" clId="{823252AA-43EF-44A7-9026-B8E575A6FFC6}" dt="2024-09-22T07:31:32.145" v="1561" actId="20577"/>
+          <ac:chgData name="Bipul Kumar" userId="9d9d72e68d75cfa6" providerId="LiveId" clId="{823252AA-43EF-44A7-9026-B8E575A6FFC6}" dt="2024-09-23T17:27:20.408" v="2290" actId="6549"/>
           <ac:spMkLst>
             <pc:docMk/>
             <pc:sldMk cId="3193563325" sldId="623"/>
@@ -944,13 +945,21 @@
           </ac:spMkLst>
         </pc:spChg>
         <pc:spChg chg="mod">
-          <ac:chgData name="Bipul Kumar" userId="9d9d72e68d75cfa6" providerId="LiveId" clId="{823252AA-43EF-44A7-9026-B8E575A6FFC6}" dt="2024-09-22T07:33:33.645" v="1623" actId="20577"/>
+          <ac:chgData name="Bipul Kumar" userId="9d9d72e68d75cfa6" providerId="LiveId" clId="{823252AA-43EF-44A7-9026-B8E575A6FFC6}" dt="2024-09-23T17:30:32.302" v="2363" actId="20577"/>
           <ac:spMkLst>
             <pc:docMk/>
             <pc:sldMk cId="3193563325" sldId="623"/>
             <ac:spMk id="14" creationId="{2AA00360-16A4-297A-FA93-77FE5543FD2B}"/>
           </ac:spMkLst>
         </pc:spChg>
+        <pc:picChg chg="add mod">
+          <ac:chgData name="Bipul Kumar" userId="9d9d72e68d75cfa6" providerId="LiveId" clId="{823252AA-43EF-44A7-9026-B8E575A6FFC6}" dt="2024-09-23T17:29:23.277" v="2301" actId="1076"/>
+          <ac:picMkLst>
+            <pc:docMk/>
+            <pc:sldMk cId="3193563325" sldId="623"/>
+            <ac:picMk id="4" creationId="{3A573DFF-69E1-95D4-25A6-7007A9A40239}"/>
+          </ac:picMkLst>
+        </pc:picChg>
         <pc:picChg chg="del">
           <ac:chgData name="Bipul Kumar" userId="9d9d72e68d75cfa6" providerId="LiveId" clId="{823252AA-43EF-44A7-9026-B8E575A6FFC6}" dt="2024-09-22T07:25:54.871" v="1379" actId="478"/>
           <ac:picMkLst>
@@ -967,8 +976,8 @@
             <ac:picMk id="5" creationId="{0219A3A6-4157-926A-2C23-9D7A0B9027AE}"/>
           </ac:picMkLst>
         </pc:picChg>
-        <pc:picChg chg="add mod">
-          <ac:chgData name="Bipul Kumar" userId="9d9d72e68d75cfa6" providerId="LiveId" clId="{823252AA-43EF-44A7-9026-B8E575A6FFC6}" dt="2024-09-22T07:30:44.168" v="1517" actId="1076"/>
+        <pc:picChg chg="add del mod">
+          <ac:chgData name="Bipul Kumar" userId="9d9d72e68d75cfa6" providerId="LiveId" clId="{823252AA-43EF-44A7-9026-B8E575A6FFC6}" dt="2024-09-23T17:28:22.296" v="2296" actId="478"/>
           <ac:picMkLst>
             <pc:docMk/>
             <pc:sldMk cId="3193563325" sldId="623"/>
@@ -1336,6 +1345,180 @@
             <pc:docMk/>
             <pc:sldMk cId="1391364578" sldId="628"/>
             <ac:picMk id="302" creationId="{A8642F66-C0BB-4949-9A9C-024B120A5D52}"/>
+          </ac:picMkLst>
+        </pc:picChg>
+      </pc:sldChg>
+      <pc:sldChg chg="addSp delSp modSp add del mod">
+        <pc:chgData name="Bipul Kumar" userId="9d9d72e68d75cfa6" providerId="LiveId" clId="{823252AA-43EF-44A7-9026-B8E575A6FFC6}" dt="2024-09-23T17:28:15.487" v="2295" actId="47"/>
+        <pc:sldMkLst>
+          <pc:docMk/>
+          <pc:sldMk cId="2309574466" sldId="628"/>
+        </pc:sldMkLst>
+        <pc:spChg chg="add mod">
+          <ac:chgData name="Bipul Kumar" userId="9d9d72e68d75cfa6" providerId="LiveId" clId="{823252AA-43EF-44A7-9026-B8E575A6FFC6}" dt="2024-09-23T17:27:59.396" v="2294" actId="1076"/>
+          <ac:spMkLst>
+            <pc:docMk/>
+            <pc:sldMk cId="2309574466" sldId="628"/>
+            <ac:spMk id="3" creationId="{6E46B9A4-A1C4-9D1C-D0E7-CEAA8B62A6EE}"/>
+          </ac:spMkLst>
+        </pc:spChg>
+        <pc:spChg chg="add mod">
+          <ac:chgData name="Bipul Kumar" userId="9d9d72e68d75cfa6" providerId="LiveId" clId="{823252AA-43EF-44A7-9026-B8E575A6FFC6}" dt="2024-09-23T17:27:59.396" v="2294" actId="1076"/>
+          <ac:spMkLst>
+            <pc:docMk/>
+            <pc:sldMk cId="2309574466" sldId="628"/>
+            <ac:spMk id="4" creationId="{572B1E23-A07B-9AEC-2B75-3AC00FFE1F73}"/>
+          </ac:spMkLst>
+        </pc:spChg>
+        <pc:spChg chg="del mod">
+          <ac:chgData name="Bipul Kumar" userId="9d9d72e68d75cfa6" providerId="LiveId" clId="{823252AA-43EF-44A7-9026-B8E575A6FFC6}" dt="2024-09-23T17:27:47.068" v="2292" actId="478"/>
+          <ac:spMkLst>
+            <pc:docMk/>
+            <pc:sldMk cId="2309574466" sldId="628"/>
+            <ac:spMk id="7" creationId="{75CC0280-0D23-E100-B835-7C2943C0E832}"/>
+          </ac:spMkLst>
+        </pc:spChg>
+        <pc:spChg chg="del">
+          <ac:chgData name="Bipul Kumar" userId="9d9d72e68d75cfa6" providerId="LiveId" clId="{823252AA-43EF-44A7-9026-B8E575A6FFC6}" dt="2024-09-23T17:27:47.068" v="2292" actId="478"/>
+          <ac:spMkLst>
+            <pc:docMk/>
+            <pc:sldMk cId="2309574466" sldId="628"/>
+            <ac:spMk id="8" creationId="{139A0A09-78D6-5E25-A8D0-017E80CA1916}"/>
+          </ac:spMkLst>
+        </pc:spChg>
+        <pc:picChg chg="del">
+          <ac:chgData name="Bipul Kumar" userId="9d9d72e68d75cfa6" providerId="LiveId" clId="{823252AA-43EF-44A7-9026-B8E575A6FFC6}" dt="2024-09-23T17:27:47.068" v="2292" actId="478"/>
+          <ac:picMkLst>
+            <pc:docMk/>
+            <pc:sldMk cId="2309574466" sldId="628"/>
+            <ac:picMk id="5" creationId="{0219A3A6-4157-926A-2C23-9D7A0B9027AE}"/>
+          </ac:picMkLst>
+        </pc:picChg>
+        <pc:picChg chg="add mod">
+          <ac:chgData name="Bipul Kumar" userId="9d9d72e68d75cfa6" providerId="LiveId" clId="{823252AA-43EF-44A7-9026-B8E575A6FFC6}" dt="2024-09-23T17:27:59.396" v="2294" actId="1076"/>
+          <ac:picMkLst>
+            <pc:docMk/>
+            <pc:sldMk cId="2309574466" sldId="628"/>
+            <ac:picMk id="6" creationId="{A3A53672-FE12-00A4-23B2-2358DCAB7183}"/>
+          </ac:picMkLst>
+        </pc:picChg>
+        <pc:picChg chg="del">
+          <ac:chgData name="Bipul Kumar" userId="9d9d72e68d75cfa6" providerId="LiveId" clId="{823252AA-43EF-44A7-9026-B8E575A6FFC6}" dt="2024-09-23T17:27:47.068" v="2292" actId="478"/>
+          <ac:picMkLst>
+            <pc:docMk/>
+            <pc:sldMk cId="2309574466" sldId="628"/>
+            <ac:picMk id="10" creationId="{8B615B29-69CB-3BDA-D06A-E239C0AAE42D}"/>
+          </ac:picMkLst>
+        </pc:picChg>
+        <pc:picChg chg="add mod">
+          <ac:chgData name="Bipul Kumar" userId="9d9d72e68d75cfa6" providerId="LiveId" clId="{823252AA-43EF-44A7-9026-B8E575A6FFC6}" dt="2024-09-23T17:27:59.396" v="2294" actId="1076"/>
+          <ac:picMkLst>
+            <pc:docMk/>
+            <pc:sldMk cId="2309574466" sldId="628"/>
+            <ac:picMk id="11" creationId="{764820D5-6F8A-DCBC-C02F-943AB3D91F12}"/>
+          </ac:picMkLst>
+        </pc:picChg>
+      </pc:sldChg>
+      <pc:sldChg chg="addSp delSp modSp add mod">
+        <pc:chgData name="Bipul Kumar" userId="9d9d72e68d75cfa6" providerId="LiveId" clId="{823252AA-43EF-44A7-9026-B8E575A6FFC6}" dt="2024-09-23T17:33:14.557" v="2491" actId="20577"/>
+        <pc:sldMkLst>
+          <pc:docMk/>
+          <pc:sldMk cId="2564418882" sldId="629"/>
+        </pc:sldMkLst>
+        <pc:spChg chg="add mod">
+          <ac:chgData name="Bipul Kumar" userId="9d9d72e68d75cfa6" providerId="LiveId" clId="{823252AA-43EF-44A7-9026-B8E575A6FFC6}" dt="2024-09-23T17:31:21.039" v="2380" actId="20577"/>
+          <ac:spMkLst>
+            <pc:docMk/>
+            <pc:sldMk cId="2564418882" sldId="629"/>
+            <ac:spMk id="3" creationId="{7F47F3FA-A252-22A2-1248-FB57BE5B8060}"/>
+          </ac:spMkLst>
+        </pc:spChg>
+        <pc:spChg chg="add mod">
+          <ac:chgData name="Bipul Kumar" userId="9d9d72e68d75cfa6" providerId="LiveId" clId="{823252AA-43EF-44A7-9026-B8E575A6FFC6}" dt="2024-09-23T17:31:11.583" v="2366" actId="1076"/>
+          <ac:spMkLst>
+            <pc:docMk/>
+            <pc:sldMk cId="2564418882" sldId="629"/>
+            <ac:spMk id="4" creationId="{F57BFB0C-F5DD-CDD2-FC6B-F33D92203CBD}"/>
+          </ac:spMkLst>
+        </pc:spChg>
+        <pc:spChg chg="del">
+          <ac:chgData name="Bipul Kumar" userId="9d9d72e68d75cfa6" providerId="LiveId" clId="{823252AA-43EF-44A7-9026-B8E575A6FFC6}" dt="2024-09-23T17:30:59.970" v="2364" actId="478"/>
+          <ac:spMkLst>
+            <pc:docMk/>
+            <pc:sldMk cId="2564418882" sldId="629"/>
+            <ac:spMk id="7" creationId="{75CC0280-0D23-E100-B835-7C2943C0E832}"/>
+          </ac:spMkLst>
+        </pc:spChg>
+        <pc:spChg chg="del">
+          <ac:chgData name="Bipul Kumar" userId="9d9d72e68d75cfa6" providerId="LiveId" clId="{823252AA-43EF-44A7-9026-B8E575A6FFC6}" dt="2024-09-23T17:30:59.970" v="2364" actId="478"/>
+          <ac:spMkLst>
+            <pc:docMk/>
+            <pc:sldMk cId="2564418882" sldId="629"/>
+            <ac:spMk id="8" creationId="{139A0A09-78D6-5E25-A8D0-017E80CA1916}"/>
+          </ac:spMkLst>
+        </pc:spChg>
+        <pc:spChg chg="mod">
+          <ac:chgData name="Bipul Kumar" userId="9d9d72e68d75cfa6" providerId="LiveId" clId="{823252AA-43EF-44A7-9026-B8E575A6FFC6}" dt="2024-09-23T17:32:34.269" v="2405" actId="20577"/>
+          <ac:spMkLst>
+            <pc:docMk/>
+            <pc:sldMk cId="2564418882" sldId="629"/>
+            <ac:spMk id="13" creationId="{7C73238D-7CB1-DA8C-6303-BF2B12052EF7}"/>
+          </ac:spMkLst>
+        </pc:spChg>
+        <pc:spChg chg="mod">
+          <ac:chgData name="Bipul Kumar" userId="9d9d72e68d75cfa6" providerId="LiveId" clId="{823252AA-43EF-44A7-9026-B8E575A6FFC6}" dt="2024-09-23T17:33:14.557" v="2491" actId="20577"/>
+          <ac:spMkLst>
+            <pc:docMk/>
+            <pc:sldMk cId="2564418882" sldId="629"/>
+            <ac:spMk id="14" creationId="{2AA00360-16A4-297A-FA93-77FE5543FD2B}"/>
+          </ac:spMkLst>
+        </pc:spChg>
+        <pc:picChg chg="del">
+          <ac:chgData name="Bipul Kumar" userId="9d9d72e68d75cfa6" providerId="LiveId" clId="{823252AA-43EF-44A7-9026-B8E575A6FFC6}" dt="2024-09-23T17:30:59.970" v="2364" actId="478"/>
+          <ac:picMkLst>
+            <pc:docMk/>
+            <pc:sldMk cId="2564418882" sldId="629"/>
+            <ac:picMk id="5" creationId="{0219A3A6-4157-926A-2C23-9D7A0B9027AE}"/>
+          </ac:picMkLst>
+        </pc:picChg>
+        <pc:picChg chg="add mod">
+          <ac:chgData name="Bipul Kumar" userId="9d9d72e68d75cfa6" providerId="LiveId" clId="{823252AA-43EF-44A7-9026-B8E575A6FFC6}" dt="2024-09-23T17:31:11.583" v="2366" actId="1076"/>
+          <ac:picMkLst>
+            <pc:docMk/>
+            <pc:sldMk cId="2564418882" sldId="629"/>
+            <ac:picMk id="6" creationId="{E0562FFC-F6A1-2F0F-D9DE-33F9DB10B167}"/>
+          </ac:picMkLst>
+        </pc:picChg>
+        <pc:picChg chg="del">
+          <ac:chgData name="Bipul Kumar" userId="9d9d72e68d75cfa6" providerId="LiveId" clId="{823252AA-43EF-44A7-9026-B8E575A6FFC6}" dt="2024-09-23T17:31:51.503" v="2381" actId="478"/>
+          <ac:picMkLst>
+            <pc:docMk/>
+            <pc:sldMk cId="2564418882" sldId="629"/>
+            <ac:picMk id="9" creationId="{5452F2C8-02DC-3489-08B5-DBC5BC311D18}"/>
+          </ac:picMkLst>
+        </pc:picChg>
+        <pc:picChg chg="del">
+          <ac:chgData name="Bipul Kumar" userId="9d9d72e68d75cfa6" providerId="LiveId" clId="{823252AA-43EF-44A7-9026-B8E575A6FFC6}" dt="2024-09-23T17:30:59.970" v="2364" actId="478"/>
+          <ac:picMkLst>
+            <pc:docMk/>
+            <pc:sldMk cId="2564418882" sldId="629"/>
+            <ac:picMk id="10" creationId="{8B615B29-69CB-3BDA-D06A-E239C0AAE42D}"/>
+          </ac:picMkLst>
+        </pc:picChg>
+        <pc:picChg chg="add mod">
+          <ac:chgData name="Bipul Kumar" userId="9d9d72e68d75cfa6" providerId="LiveId" clId="{823252AA-43EF-44A7-9026-B8E575A6FFC6}" dt="2024-09-23T17:31:11.583" v="2366" actId="1076"/>
+          <ac:picMkLst>
+            <pc:docMk/>
+            <pc:sldMk cId="2564418882" sldId="629"/>
+            <ac:picMk id="11" creationId="{18F3FA6F-8614-F470-608B-7D38AFC26071}"/>
+          </ac:picMkLst>
+        </pc:picChg>
+        <pc:picChg chg="add mod">
+          <ac:chgData name="Bipul Kumar" userId="9d9d72e68d75cfa6" providerId="LiveId" clId="{823252AA-43EF-44A7-9026-B8E575A6FFC6}" dt="2024-09-23T17:32:20.557" v="2387" actId="1076"/>
+          <ac:picMkLst>
+            <pc:docMk/>
+            <pc:sldMk cId="2564418882" sldId="629"/>
+            <ac:picMk id="15" creationId="{0BA628BE-236A-F965-2C78-D9E71918E7D1}"/>
           </ac:picMkLst>
         </pc:picChg>
       </pc:sldChg>
@@ -10666,7 +10849,7 @@
           <a:p>
             <a:fld id="{6EB8CEAE-9ACF-4870-96B2-2FDD755B4008}" type="datetimeFigureOut">
               <a:rPr lang="en-IN" smtClean="0"/>
-              <a:t>22-09-2024</a:t>
+              <a:t>23-09-2024</a:t>
             </a:fld>
             <a:endParaRPr lang="en-IN"/>
           </a:p>
@@ -10836,7 +11019,7 @@
           <a:p>
             <a:fld id="{6EB8CEAE-9ACF-4870-96B2-2FDD755B4008}" type="datetimeFigureOut">
               <a:rPr lang="en-IN" smtClean="0"/>
-              <a:t>22-09-2024</a:t>
+              <a:t>23-09-2024</a:t>
             </a:fld>
             <a:endParaRPr lang="en-IN"/>
           </a:p>
@@ -11016,7 +11199,7 @@
           <a:p>
             <a:fld id="{6EB8CEAE-9ACF-4870-96B2-2FDD755B4008}" type="datetimeFigureOut">
               <a:rPr lang="en-IN" smtClean="0"/>
-              <a:t>22-09-2024</a:t>
+              <a:t>23-09-2024</a:t>
             </a:fld>
             <a:endParaRPr lang="en-IN"/>
           </a:p>
@@ -11186,7 +11369,7 @@
           <a:p>
             <a:fld id="{6EB8CEAE-9ACF-4870-96B2-2FDD755B4008}" type="datetimeFigureOut">
               <a:rPr lang="en-IN" smtClean="0"/>
-              <a:t>22-09-2024</a:t>
+              <a:t>23-09-2024</a:t>
             </a:fld>
             <a:endParaRPr lang="en-IN"/>
           </a:p>
@@ -11432,7 +11615,7 @@
           <a:p>
             <a:fld id="{6EB8CEAE-9ACF-4870-96B2-2FDD755B4008}" type="datetimeFigureOut">
               <a:rPr lang="en-IN" smtClean="0"/>
-              <a:t>22-09-2024</a:t>
+              <a:t>23-09-2024</a:t>
             </a:fld>
             <a:endParaRPr lang="en-IN"/>
           </a:p>
@@ -11664,7 +11847,7 @@
           <a:p>
             <a:fld id="{6EB8CEAE-9ACF-4870-96B2-2FDD755B4008}" type="datetimeFigureOut">
               <a:rPr lang="en-IN" smtClean="0"/>
-              <a:t>22-09-2024</a:t>
+              <a:t>23-09-2024</a:t>
             </a:fld>
             <a:endParaRPr lang="en-IN"/>
           </a:p>
@@ -12031,7 +12214,7 @@
           <a:p>
             <a:fld id="{6EB8CEAE-9ACF-4870-96B2-2FDD755B4008}" type="datetimeFigureOut">
               <a:rPr lang="en-IN" smtClean="0"/>
-              <a:t>22-09-2024</a:t>
+              <a:t>23-09-2024</a:t>
             </a:fld>
             <a:endParaRPr lang="en-IN"/>
           </a:p>
@@ -12149,7 +12332,7 @@
           <a:p>
             <a:fld id="{6EB8CEAE-9ACF-4870-96B2-2FDD755B4008}" type="datetimeFigureOut">
               <a:rPr lang="en-IN" smtClean="0"/>
-              <a:t>22-09-2024</a:t>
+              <a:t>23-09-2024</a:t>
             </a:fld>
             <a:endParaRPr lang="en-IN"/>
           </a:p>
@@ -12244,7 +12427,7 @@
           <a:p>
             <a:fld id="{6EB8CEAE-9ACF-4870-96B2-2FDD755B4008}" type="datetimeFigureOut">
               <a:rPr lang="en-IN" smtClean="0"/>
-              <a:t>22-09-2024</a:t>
+              <a:t>23-09-2024</a:t>
             </a:fld>
             <a:endParaRPr lang="en-IN"/>
           </a:p>
@@ -12521,7 +12704,7 @@
           <a:p>
             <a:fld id="{6EB8CEAE-9ACF-4870-96B2-2FDD755B4008}" type="datetimeFigureOut">
               <a:rPr lang="en-IN" smtClean="0"/>
-              <a:t>22-09-2024</a:t>
+              <a:t>23-09-2024</a:t>
             </a:fld>
             <a:endParaRPr lang="en-IN"/>
           </a:p>
@@ -12778,7 +12961,7 @@
           <a:p>
             <a:fld id="{6EB8CEAE-9ACF-4870-96B2-2FDD755B4008}" type="datetimeFigureOut">
               <a:rPr lang="en-IN" smtClean="0"/>
-              <a:t>22-09-2024</a:t>
+              <a:t>23-09-2024</a:t>
             </a:fld>
             <a:endParaRPr lang="en-IN"/>
           </a:p>
@@ -12991,7 +13174,7 @@
           <a:p>
             <a:fld id="{6EB8CEAE-9ACF-4870-96B2-2FDD755B4008}" type="datetimeFigureOut">
               <a:rPr lang="en-IN" smtClean="0"/>
-              <a:t>22-09-2024</a:t>
+              <a:t>23-09-2024</a:t>
             </a:fld>
             <a:endParaRPr lang="en-IN"/>
           </a:p>
@@ -14057,6 +14240,529 @@
                 <a:ea typeface="+mj-ea"/>
                 <a:cs typeface="+mj-cs"/>
               </a:rPr>
+              <a:t>Univariate Analysis: Data Plots : </a:t>
+            </a:r>
+            <a:r>
+              <a:rPr lang="en-US" sz="6000" kern="1200" dirty="0" err="1">
+                <a:solidFill>
+                  <a:schemeClr val="tx2"/>
+                </a:solidFill>
+                <a:latin typeface="+mj-lt"/>
+                <a:ea typeface="+mj-ea"/>
+                <a:cs typeface="+mj-cs"/>
+              </a:rPr>
+              <a:t>Piecharts</a:t>
+            </a:r>
+            <a:endParaRPr lang="en-US" sz="6000" kern="1200" dirty="0">
+              <a:solidFill>
+                <a:schemeClr val="tx2"/>
+              </a:solidFill>
+              <a:latin typeface="+mj-lt"/>
+              <a:ea typeface="+mj-ea"/>
+              <a:cs typeface="+mj-cs"/>
+            </a:endParaRPr>
+          </a:p>
+        </p:txBody>
+      </p:sp>
+      <p:sp>
+        <p:nvSpPr>
+          <p:cNvPr id="13" name="Rectangle 12">
+            <a:extLst>
+              <a:ext uri="{FF2B5EF4-FFF2-40B4-BE49-F238E27FC236}">
+                <a16:creationId xmlns:a16="http://schemas.microsoft.com/office/drawing/2014/main" id="{7C73238D-7CB1-DA8C-6303-BF2B12052EF7}"/>
+              </a:ext>
+            </a:extLst>
+          </p:cNvPr>
+          <p:cNvSpPr/>
+          <p:nvPr/>
+        </p:nvSpPr>
+        <p:spPr>
+          <a:xfrm>
+            <a:off x="272143" y="5797886"/>
+            <a:ext cx="2253343" cy="2941200"/>
+          </a:xfrm>
+          <a:prstGeom prst="rect">
+            <a:avLst/>
+          </a:prstGeom>
+          <a:noFill/>
+        </p:spPr>
+        <p:style>
+          <a:lnRef idx="2">
+            <a:schemeClr val="accent1">
+              <a:shade val="15000"/>
+            </a:schemeClr>
+          </a:lnRef>
+          <a:fillRef idx="1">
+            <a:schemeClr val="accent1"/>
+          </a:fillRef>
+          <a:effectRef idx="0">
+            <a:schemeClr val="accent1"/>
+          </a:effectRef>
+          <a:fontRef idx="minor">
+            <a:schemeClr val="lt1"/>
+          </a:fontRef>
+        </p:style>
+        <p:txBody>
+          <a:bodyPr rtlCol="0" anchor="ctr"/>
+          <a:lstStyle/>
+          <a:p>
+            <a:pPr algn="ctr"/>
+            <a:r>
+              <a:rPr lang="en-IN" dirty="0">
+                <a:solidFill>
+                  <a:schemeClr val="tx1"/>
+                </a:solidFill>
+              </a:rPr>
+              <a:t>Analysis loan amount column</a:t>
+            </a:r>
+          </a:p>
+          <a:p>
+            <a:pPr algn="ctr"/>
+            <a:endParaRPr lang="en-IN" dirty="0">
+              <a:solidFill>
+                <a:schemeClr val="tx1"/>
+              </a:solidFill>
+            </a:endParaRPr>
+          </a:p>
+        </p:txBody>
+      </p:sp>
+      <p:sp>
+        <p:nvSpPr>
+          <p:cNvPr id="14" name="Rectangle 13">
+            <a:extLst>
+              <a:ext uri="{FF2B5EF4-FFF2-40B4-BE49-F238E27FC236}">
+                <a16:creationId xmlns:a16="http://schemas.microsoft.com/office/drawing/2014/main" id="{2AA00360-16A4-297A-FA93-77FE5543FD2B}"/>
+              </a:ext>
+            </a:extLst>
+          </p:cNvPr>
+          <p:cNvSpPr/>
+          <p:nvPr/>
+        </p:nvSpPr>
+        <p:spPr>
+          <a:xfrm>
+            <a:off x="14800216" y="5797886"/>
+            <a:ext cx="3215641" cy="2941200"/>
+          </a:xfrm>
+          <a:prstGeom prst="rect">
+            <a:avLst/>
+          </a:prstGeom>
+          <a:noFill/>
+        </p:spPr>
+        <p:style>
+          <a:lnRef idx="2">
+            <a:schemeClr val="accent1">
+              <a:shade val="15000"/>
+            </a:schemeClr>
+          </a:lnRef>
+          <a:fillRef idx="1">
+            <a:schemeClr val="accent1"/>
+          </a:fillRef>
+          <a:effectRef idx="0">
+            <a:schemeClr val="accent1"/>
+          </a:effectRef>
+          <a:fontRef idx="minor">
+            <a:schemeClr val="lt1"/>
+          </a:fontRef>
+        </p:style>
+        <p:txBody>
+          <a:bodyPr rtlCol="0" anchor="ctr"/>
+          <a:lstStyle/>
+          <a:p>
+            <a:pPr algn="ctr"/>
+            <a:r>
+              <a:rPr lang="en-IN" dirty="0">
+                <a:solidFill>
+                  <a:schemeClr val="tx1"/>
+                </a:solidFill>
+              </a:rPr>
+              <a:t>80% of defaulter is having loan amount </a:t>
+            </a:r>
+            <a:r>
+              <a:rPr lang="en-IN">
+                <a:solidFill>
+                  <a:schemeClr val="tx1"/>
+                </a:solidFill>
+              </a:rPr>
+              <a:t>less than 21000</a:t>
+            </a:r>
+            <a:endParaRPr lang="en-IN" dirty="0">
+              <a:solidFill>
+                <a:schemeClr val="tx1"/>
+              </a:solidFill>
+            </a:endParaRPr>
+          </a:p>
+        </p:txBody>
+      </p:sp>
+      <p:pic>
+        <p:nvPicPr>
+          <p:cNvPr id="16" name="Graphic 15" descr="Thumbs Down outline">
+            <a:extLst>
+              <a:ext uri="{FF2B5EF4-FFF2-40B4-BE49-F238E27FC236}">
+                <a16:creationId xmlns:a16="http://schemas.microsoft.com/office/drawing/2014/main" id="{07CD1620-E2CC-53A0-2349-7B331BD4172F}"/>
+              </a:ext>
+            </a:extLst>
+          </p:cNvPr>
+          <p:cNvPicPr>
+            <a:picLocks noChangeAspect="1"/>
+          </p:cNvPicPr>
+          <p:nvPr/>
+        </p:nvPicPr>
+        <p:blipFill>
+          <a:blip r:embed="rId2">
+            <a:extLst>
+              <a:ext uri="{96DAC541-7B7A-43D3-8B79-37D633B846F1}">
+                <asvg:svgBlip xmlns:asvg="http://schemas.microsoft.com/office/drawing/2016/SVG/main" r:embed="rId3"/>
+              </a:ext>
+            </a:extLst>
+          </a:blip>
+          <a:stretch>
+            <a:fillRect/>
+          </a:stretch>
+        </p:blipFill>
+        <p:spPr>
+          <a:xfrm flipV="1">
+            <a:off x="14800215" y="5790078"/>
+            <a:ext cx="914400" cy="914400"/>
+          </a:xfrm>
+          <a:prstGeom prst="rect">
+            <a:avLst/>
+          </a:prstGeom>
+        </p:spPr>
+      </p:pic>
+      <p:sp>
+        <p:nvSpPr>
+          <p:cNvPr id="3" name="Rectangle 2">
+            <a:extLst>
+              <a:ext uri="{FF2B5EF4-FFF2-40B4-BE49-F238E27FC236}">
+                <a16:creationId xmlns:a16="http://schemas.microsoft.com/office/drawing/2014/main" id="{7F47F3FA-A252-22A2-1248-FB57BE5B8060}"/>
+              </a:ext>
+            </a:extLst>
+          </p:cNvPr>
+          <p:cNvSpPr/>
+          <p:nvPr/>
+        </p:nvSpPr>
+        <p:spPr>
+          <a:xfrm>
+            <a:off x="272143" y="1835486"/>
+            <a:ext cx="2253343" cy="2941200"/>
+          </a:xfrm>
+          <a:prstGeom prst="rect">
+            <a:avLst/>
+          </a:prstGeom>
+          <a:noFill/>
+        </p:spPr>
+        <p:style>
+          <a:lnRef idx="2">
+            <a:schemeClr val="accent1">
+              <a:shade val="15000"/>
+            </a:schemeClr>
+          </a:lnRef>
+          <a:fillRef idx="1">
+            <a:schemeClr val="accent1"/>
+          </a:fillRef>
+          <a:effectRef idx="0">
+            <a:schemeClr val="accent1"/>
+          </a:effectRef>
+          <a:fontRef idx="minor">
+            <a:schemeClr val="lt1"/>
+          </a:fontRef>
+        </p:style>
+        <p:txBody>
+          <a:bodyPr rtlCol="0" anchor="ctr"/>
+          <a:lstStyle/>
+          <a:p>
+            <a:pPr algn="ctr"/>
+            <a:r>
+              <a:rPr lang="en-IN" dirty="0">
+                <a:solidFill>
+                  <a:schemeClr val="tx1"/>
+                </a:solidFill>
+              </a:rPr>
+              <a:t>Analysis of Purpose column [ without </a:t>
+            </a:r>
+            <a:r>
+              <a:rPr lang="en-IN" dirty="0" err="1">
+                <a:solidFill>
+                  <a:schemeClr val="tx1"/>
+                </a:solidFill>
+              </a:rPr>
+              <a:t>debt_consolidation</a:t>
+            </a:r>
+            <a:r>
+              <a:rPr lang="en-IN" dirty="0">
+                <a:solidFill>
+                  <a:schemeClr val="tx1"/>
+                </a:solidFill>
+              </a:rPr>
+              <a:t> purpose] </a:t>
+            </a:r>
+          </a:p>
+          <a:p>
+            <a:pPr algn="ctr"/>
+            <a:endParaRPr lang="en-IN" dirty="0">
+              <a:solidFill>
+                <a:schemeClr val="tx1"/>
+              </a:solidFill>
+            </a:endParaRPr>
+          </a:p>
+        </p:txBody>
+      </p:sp>
+      <p:sp>
+        <p:nvSpPr>
+          <p:cNvPr id="4" name="Rectangle 3">
+            <a:extLst>
+              <a:ext uri="{FF2B5EF4-FFF2-40B4-BE49-F238E27FC236}">
+                <a16:creationId xmlns:a16="http://schemas.microsoft.com/office/drawing/2014/main" id="{F57BFB0C-F5DD-CDD2-FC6B-F33D92203CBD}"/>
+              </a:ext>
+            </a:extLst>
+          </p:cNvPr>
+          <p:cNvSpPr/>
+          <p:nvPr/>
+        </p:nvSpPr>
+        <p:spPr>
+          <a:xfrm>
+            <a:off x="14800216" y="1835486"/>
+            <a:ext cx="3215641" cy="2941200"/>
+          </a:xfrm>
+          <a:prstGeom prst="rect">
+            <a:avLst/>
+          </a:prstGeom>
+          <a:noFill/>
+        </p:spPr>
+        <p:style>
+          <a:lnRef idx="2">
+            <a:schemeClr val="accent1">
+              <a:shade val="15000"/>
+            </a:schemeClr>
+          </a:lnRef>
+          <a:fillRef idx="1">
+            <a:schemeClr val="accent1"/>
+          </a:fillRef>
+          <a:effectRef idx="0">
+            <a:schemeClr val="accent1"/>
+          </a:effectRef>
+          <a:fontRef idx="minor">
+            <a:schemeClr val="lt1"/>
+          </a:fontRef>
+        </p:style>
+        <p:txBody>
+          <a:bodyPr rtlCol="0" anchor="ctr"/>
+          <a:lstStyle/>
+          <a:p>
+            <a:pPr algn="ctr"/>
+            <a:r>
+              <a:rPr lang="en-IN" dirty="0">
+                <a:solidFill>
+                  <a:schemeClr val="tx1"/>
+                </a:solidFill>
+              </a:rPr>
+              <a:t>Fully Paid for small business is 9.6%</a:t>
+            </a:r>
+          </a:p>
+          <a:p>
+            <a:pPr algn="ctr"/>
+            <a:endParaRPr lang="en-IN" dirty="0">
+              <a:solidFill>
+                <a:schemeClr val="tx1"/>
+              </a:solidFill>
+            </a:endParaRPr>
+          </a:p>
+          <a:p>
+            <a:pPr algn="ctr"/>
+            <a:r>
+              <a:rPr lang="en-IN" dirty="0">
+                <a:solidFill>
+                  <a:schemeClr val="tx1"/>
+                </a:solidFill>
+              </a:rPr>
+              <a:t>Charged off for small business is 22.4 %</a:t>
+            </a:r>
+          </a:p>
+        </p:txBody>
+      </p:sp>
+      <p:pic>
+        <p:nvPicPr>
+          <p:cNvPr id="6" name="Picture 5">
+            <a:extLst>
+              <a:ext uri="{FF2B5EF4-FFF2-40B4-BE49-F238E27FC236}">
+                <a16:creationId xmlns:a16="http://schemas.microsoft.com/office/drawing/2014/main" id="{E0562FFC-F6A1-2F0F-D9DE-33F9DB10B167}"/>
+              </a:ext>
+            </a:extLst>
+          </p:cNvPr>
+          <p:cNvPicPr>
+            <a:picLocks noChangeAspect="1"/>
+          </p:cNvPicPr>
+          <p:nvPr/>
+        </p:nvPicPr>
+        <p:blipFill>
+          <a:blip r:embed="rId4"/>
+          <a:stretch>
+            <a:fillRect/>
+          </a:stretch>
+        </p:blipFill>
+        <p:spPr>
+          <a:xfrm>
+            <a:off x="2829235" y="1827678"/>
+            <a:ext cx="11667231" cy="2956816"/>
+          </a:xfrm>
+          <a:prstGeom prst="rect">
+            <a:avLst/>
+          </a:prstGeom>
+          <a:ln>
+            <a:solidFill>
+              <a:schemeClr val="tx1"/>
+            </a:solidFill>
+          </a:ln>
+        </p:spPr>
+      </p:pic>
+      <p:pic>
+        <p:nvPicPr>
+          <p:cNvPr id="11" name="Graphic 10" descr="Thumbs Down outline">
+            <a:extLst>
+              <a:ext uri="{FF2B5EF4-FFF2-40B4-BE49-F238E27FC236}">
+                <a16:creationId xmlns:a16="http://schemas.microsoft.com/office/drawing/2014/main" id="{18F3FA6F-8614-F470-608B-7D38AFC26071}"/>
+              </a:ext>
+            </a:extLst>
+          </p:cNvPr>
+          <p:cNvPicPr>
+            <a:picLocks noChangeAspect="1"/>
+          </p:cNvPicPr>
+          <p:nvPr/>
+        </p:nvPicPr>
+        <p:blipFill>
+          <a:blip r:embed="rId2">
+            <a:extLst>
+              <a:ext uri="{96DAC541-7B7A-43D3-8B79-37D633B846F1}">
+                <asvg:svgBlip xmlns:asvg="http://schemas.microsoft.com/office/drawing/2016/SVG/main" r:embed="rId3"/>
+              </a:ext>
+            </a:extLst>
+          </a:blip>
+          <a:stretch>
+            <a:fillRect/>
+          </a:stretch>
+        </p:blipFill>
+        <p:spPr>
+          <a:xfrm flipV="1">
+            <a:off x="14800215" y="1827678"/>
+            <a:ext cx="914400" cy="914400"/>
+          </a:xfrm>
+          <a:prstGeom prst="rect">
+            <a:avLst/>
+          </a:prstGeom>
+        </p:spPr>
+      </p:pic>
+      <p:pic>
+        <p:nvPicPr>
+          <p:cNvPr id="15" name="Picture 14">
+            <a:extLst>
+              <a:ext uri="{FF2B5EF4-FFF2-40B4-BE49-F238E27FC236}">
+                <a16:creationId xmlns:a16="http://schemas.microsoft.com/office/drawing/2014/main" id="{0BA628BE-236A-F965-2C78-D9E71918E7D1}"/>
+              </a:ext>
+            </a:extLst>
+          </p:cNvPr>
+          <p:cNvPicPr>
+            <a:picLocks noChangeAspect="1"/>
+          </p:cNvPicPr>
+          <p:nvPr/>
+        </p:nvPicPr>
+        <p:blipFill>
+          <a:blip r:embed="rId5"/>
+          <a:stretch>
+            <a:fillRect/>
+          </a:stretch>
+        </p:blipFill>
+        <p:spPr>
+          <a:xfrm>
+            <a:off x="3058820" y="5790078"/>
+            <a:ext cx="11208061" cy="2880000"/>
+          </a:xfrm>
+          <a:prstGeom prst="rect">
+            <a:avLst/>
+          </a:prstGeom>
+          <a:ln>
+            <a:solidFill>
+              <a:schemeClr val="tx1"/>
+            </a:solidFill>
+          </a:ln>
+        </p:spPr>
+      </p:pic>
+    </p:spTree>
+    <p:extLst>
+      <p:ext uri="{BB962C8B-B14F-4D97-AF65-F5344CB8AC3E}">
+        <p14:creationId xmlns:p14="http://schemas.microsoft.com/office/powerpoint/2010/main" val="2564418882"/>
+      </p:ext>
+    </p:extLst>
+  </p:cSld>
+  <p:clrMapOvr>
+    <a:masterClrMapping/>
+  </p:clrMapOvr>
+</p:sld>
+</file>
+
+<file path=ppt/slides/slide11.xml><?xml version="1.0" encoding="utf-8"?>
+<p:sld xmlns:a="http://schemas.openxmlformats.org/drawingml/2006/main" xmlns:r="http://schemas.openxmlformats.org/officeDocument/2006/relationships" xmlns:p="http://schemas.openxmlformats.org/presentationml/2006/main">
+  <p:cSld>
+    <p:spTree>
+      <p:nvGrpSpPr>
+        <p:cNvPr id="1" name=""/>
+        <p:cNvGrpSpPr/>
+        <p:nvPr/>
+      </p:nvGrpSpPr>
+      <p:grpSpPr>
+        <a:xfrm>
+          <a:off x="0" y="0"/>
+          <a:ext cx="0" cy="0"/>
+          <a:chOff x="0" y="0"/>
+          <a:chExt cx="0" cy="0"/>
+        </a:xfrm>
+      </p:grpSpPr>
+      <p:sp>
+        <p:nvSpPr>
+          <p:cNvPr id="2" name="TextBox 1">
+            <a:extLst>
+              <a:ext uri="{FF2B5EF4-FFF2-40B4-BE49-F238E27FC236}">
+                <a16:creationId xmlns:a16="http://schemas.microsoft.com/office/drawing/2014/main" id="{F1CBB1F3-2BF8-7984-F676-9DD30A9CFDEB}"/>
+              </a:ext>
+            </a:extLst>
+          </p:cNvPr>
+          <p:cNvSpPr txBox="1"/>
+          <p:nvPr/>
+        </p:nvSpPr>
+        <p:spPr>
+          <a:xfrm>
+            <a:off x="498764" y="436184"/>
+            <a:ext cx="16489481" cy="1184798"/>
+          </a:xfrm>
+          <a:prstGeom prst="rect">
+            <a:avLst/>
+          </a:prstGeom>
+        </p:spPr>
+        <p:txBody>
+          <a:bodyPr vert="horz" lIns="91440" tIns="45720" rIns="91440" bIns="45720" rtlCol="0" anchor="t">
+            <a:normAutofit/>
+          </a:bodyPr>
+          <a:lstStyle/>
+          <a:p>
+            <a:pPr defTabSz="914400">
+              <a:lnSpc>
+                <a:spcPct val="90000"/>
+              </a:lnSpc>
+              <a:spcBef>
+                <a:spcPct val="0"/>
+              </a:spcBef>
+              <a:spcAft>
+                <a:spcPts val="600"/>
+              </a:spcAft>
+            </a:pPr>
+            <a:r>
+              <a:rPr lang="en-US" sz="6000" kern="1200" dirty="0">
+                <a:solidFill>
+                  <a:schemeClr val="tx2"/>
+                </a:solidFill>
+                <a:latin typeface="+mj-lt"/>
+                <a:ea typeface="+mj-ea"/>
+                <a:cs typeface="+mj-cs"/>
+              </a:rPr>
               <a:t>Univariate Analysis: Data Plots : Histogram</a:t>
             </a:r>
           </a:p>
@@ -14468,7 +15174,7 @@
 </p:sld>
 </file>
 
-<file path=ppt/slides/slide11.xml><?xml version="1.0" encoding="utf-8"?>
+<file path=ppt/slides/slide12.xml><?xml version="1.0" encoding="utf-8"?>
 <p:sld xmlns:a="http://schemas.openxmlformats.org/drawingml/2006/main" xmlns:r="http://schemas.openxmlformats.org/officeDocument/2006/relationships" xmlns:p="http://schemas.openxmlformats.org/presentationml/2006/main">
   <p:cSld>
     <p:spTree>
@@ -15000,7 +15706,7 @@
 </p:sld>
 </file>
 
-<file path=ppt/slides/slide12.xml><?xml version="1.0" encoding="utf-8"?>
+<file path=ppt/slides/slide13.xml><?xml version="1.0" encoding="utf-8"?>
 <p:sld xmlns:a="http://schemas.openxmlformats.org/drawingml/2006/main" xmlns:r="http://schemas.openxmlformats.org/officeDocument/2006/relationships" xmlns:p="http://schemas.openxmlformats.org/presentationml/2006/main">
   <p:cSld>
     <p:spTree>
@@ -15266,7 +15972,7 @@
 </p:sld>
 </file>
 
-<file path=ppt/slides/slide13.xml><?xml version="1.0" encoding="utf-8"?>
+<file path=ppt/slides/slide14.xml><?xml version="1.0" encoding="utf-8"?>
 <p:sld xmlns:a="http://schemas.openxmlformats.org/drawingml/2006/main" xmlns:r="http://schemas.openxmlformats.org/officeDocument/2006/relationships" xmlns:p="http://schemas.openxmlformats.org/presentationml/2006/main">
   <p:cSld>
     <p:spTree>
@@ -15565,7 +16271,7 @@
 </p:sld>
 </file>
 
-<file path=ppt/slides/slide14.xml><?xml version="1.0" encoding="utf-8"?>
+<file path=ppt/slides/slide15.xml><?xml version="1.0" encoding="utf-8"?>
 <p:sld xmlns:a="http://schemas.openxmlformats.org/drawingml/2006/main" xmlns:r="http://schemas.openxmlformats.org/officeDocument/2006/relationships" xmlns:p="http://schemas.openxmlformats.org/presentationml/2006/main">
   <p:cSld>
     <p:spTree>
@@ -23788,32 +24494,8 @@
                   <a:schemeClr val="tx1"/>
                 </a:solidFill>
               </a:rPr>
-              <a:t>Analysis of Purpose column [ After </a:t>
+              <a:t>Analysis of Purpose column</a:t>
             </a:r>
-            <a:r>
-              <a:rPr lang="en-IN" dirty="0" err="1">
-                <a:solidFill>
-                  <a:schemeClr val="tx1"/>
-                </a:solidFill>
-              </a:rPr>
-              <a:t>debt_consolidation</a:t>
-            </a:r>
-            <a:r>
-              <a:rPr lang="en-IN" dirty="0">
-                <a:solidFill>
-                  <a:schemeClr val="tx1"/>
-                </a:solidFill>
-              </a:rPr>
-              <a:t> Type] </a:t>
-            </a:r>
-          </a:p>
-          <a:p>
-            <a:pPr algn="ctr"/>
-            <a:endParaRPr lang="en-IN" dirty="0">
-              <a:solidFill>
-                <a:schemeClr val="tx1"/>
-              </a:solidFill>
-            </a:endParaRPr>
           </a:p>
         </p:txBody>
       </p:sp>
@@ -23861,31 +24543,20 @@
           <a:p>
             <a:pPr algn="ctr"/>
             <a:r>
-              <a:rPr lang="en-IN" dirty="0">
+              <a:rPr lang="en-IN" dirty="0" err="1">
                 <a:solidFill>
                   <a:schemeClr val="tx1"/>
                 </a:solidFill>
               </a:rPr>
-              <a:t>Fully Paid for small business is 9.6%</a:t>
+              <a:t>Debt_Consolidation</a:t>
             </a:r>
-          </a:p>
-          <a:p>
-            <a:pPr algn="ctr"/>
-            <a:endParaRPr lang="en-IN" dirty="0">
-              <a:solidFill>
-                <a:schemeClr val="tx1"/>
-              </a:solidFill>
-            </a:endParaRPr>
-          </a:p>
-          <a:p>
-            <a:pPr algn="ctr"/>
             <a:r>
               <a:rPr lang="en-IN" dirty="0">
                 <a:solidFill>
                   <a:schemeClr val="tx1"/>
                 </a:solidFill>
               </a:rPr>
-              <a:t>Charged off for small business is 22.4 %</a:t>
+              <a:t> has the highest % [54.9%] for the  Charged off</a:t>
             </a:r>
           </a:p>
         </p:txBody>
@@ -23914,41 +24585,6 @@
           <a:xfrm>
             <a:off x="2728541" y="1872281"/>
             <a:ext cx="11705334" cy="2880610"/>
-          </a:xfrm>
-          <a:prstGeom prst="rect">
-            <a:avLst/>
-          </a:prstGeom>
-          <a:ln>
-            <a:solidFill>
-              <a:schemeClr val="tx1"/>
-            </a:solidFill>
-          </a:ln>
-        </p:spPr>
-      </p:pic>
-      <p:pic>
-        <p:nvPicPr>
-          <p:cNvPr id="9" name="Picture 8">
-            <a:extLst>
-              <a:ext uri="{FF2B5EF4-FFF2-40B4-BE49-F238E27FC236}">
-                <a16:creationId xmlns:a16="http://schemas.microsoft.com/office/drawing/2014/main" id="{5452F2C8-02DC-3489-08B5-DBC5BC311D18}"/>
-              </a:ext>
-            </a:extLst>
-          </p:cNvPr>
-          <p:cNvPicPr>
-            <a:picLocks noChangeAspect="1"/>
-          </p:cNvPicPr>
-          <p:nvPr/>
-        </p:nvPicPr>
-        <p:blipFill>
-          <a:blip r:embed="rId5"/>
-          <a:stretch>
-            <a:fillRect/>
-          </a:stretch>
-        </p:blipFill>
-        <p:spPr>
-          <a:xfrm>
-            <a:off x="2829235" y="5790078"/>
-            <a:ext cx="11667231" cy="2956816"/>
           </a:xfrm>
           <a:prstGeom prst="rect">
             <a:avLst/>
@@ -23994,6 +24630,41 @@
           <a:prstGeom prst="rect">
             <a:avLst/>
           </a:prstGeom>
+        </p:spPr>
+      </p:pic>
+      <p:pic>
+        <p:nvPicPr>
+          <p:cNvPr id="4" name="Picture 3">
+            <a:extLst>
+              <a:ext uri="{FF2B5EF4-FFF2-40B4-BE49-F238E27FC236}">
+                <a16:creationId xmlns:a16="http://schemas.microsoft.com/office/drawing/2014/main" id="{3A573DFF-69E1-95D4-25A6-7007A9A40239}"/>
+              </a:ext>
+            </a:extLst>
+          </p:cNvPr>
+          <p:cNvPicPr>
+            <a:picLocks noChangeAspect="1"/>
+          </p:cNvPicPr>
+          <p:nvPr/>
+        </p:nvPicPr>
+        <p:blipFill>
+          <a:blip r:embed="rId5"/>
+          <a:stretch>
+            <a:fillRect/>
+          </a:stretch>
+        </p:blipFill>
+        <p:spPr>
+          <a:xfrm>
+            <a:off x="2887967" y="5797886"/>
+            <a:ext cx="11549766" cy="2880000"/>
+          </a:xfrm>
+          <a:prstGeom prst="rect">
+            <a:avLst/>
+          </a:prstGeom>
+          <a:ln>
+            <a:solidFill>
+              <a:schemeClr val="tx1"/>
+            </a:solidFill>
+          </a:ln>
         </p:spPr>
       </p:pic>
     </p:spTree>
